--- a/lecture 10/Lecture 10 - Mobile Application Development.pptx
+++ b/lecture 10/Lecture 10 - Mobile Application Development.pptx
@@ -5,27 +5,26 @@
     <p:sldMasterId id="2147483677" r:id="rId1"/>
   </p:sldMasterIdLst>
   <p:notesMasterIdLst>
-    <p:notesMasterId r:id="rId20"/>
+    <p:notesMasterId r:id="rId19"/>
   </p:notesMasterIdLst>
   <p:sldIdLst>
     <p:sldId id="256" r:id="rId2"/>
     <p:sldId id="259" r:id="rId3"/>
-    <p:sldId id="276" r:id="rId4"/>
-    <p:sldId id="277" r:id="rId5"/>
-    <p:sldId id="278" r:id="rId6"/>
-    <p:sldId id="279" r:id="rId7"/>
-    <p:sldId id="280" r:id="rId8"/>
-    <p:sldId id="281" r:id="rId9"/>
-    <p:sldId id="283" r:id="rId10"/>
-    <p:sldId id="282" r:id="rId11"/>
-    <p:sldId id="284" r:id="rId12"/>
-    <p:sldId id="285" r:id="rId13"/>
-    <p:sldId id="286" r:id="rId14"/>
-    <p:sldId id="275" r:id="rId15"/>
-    <p:sldId id="287" r:id="rId16"/>
-    <p:sldId id="288" r:id="rId17"/>
-    <p:sldId id="289" r:id="rId18"/>
-    <p:sldId id="290" r:id="rId19"/>
+    <p:sldId id="277" r:id="rId4"/>
+    <p:sldId id="278" r:id="rId5"/>
+    <p:sldId id="279" r:id="rId6"/>
+    <p:sldId id="280" r:id="rId7"/>
+    <p:sldId id="281" r:id="rId8"/>
+    <p:sldId id="283" r:id="rId9"/>
+    <p:sldId id="282" r:id="rId10"/>
+    <p:sldId id="284" r:id="rId11"/>
+    <p:sldId id="285" r:id="rId12"/>
+    <p:sldId id="286" r:id="rId13"/>
+    <p:sldId id="275" r:id="rId14"/>
+    <p:sldId id="287" r:id="rId15"/>
+    <p:sldId id="288" r:id="rId16"/>
+    <p:sldId id="289" r:id="rId17"/>
+    <p:sldId id="290" r:id="rId18"/>
   </p:sldIdLst>
   <p:sldSz cx="12192000" cy="6858000"/>
   <p:notesSz cx="6858000" cy="9144000"/>
@@ -214,7 +213,7 @@
           <a:p>
             <a:fld id="{A3C2A6A4-4365-4DD8-8CB7-3A4F849F3EAA}" type="datetimeFigureOut">
               <a:rPr lang="en-GB" smtClean="0"/>
-              <a:t>30/09/2019</a:t>
+              <a:t>13/10/2019</a:t>
             </a:fld>
             <a:endParaRPr lang="en-GB"/>
           </a:p>
@@ -526,6 +525,29 @@
           <a:bodyPr/>
           <a:lstStyle/>
           <a:p>
+            <a:pPr marL="0" marR="0" lvl="0" indent="0" algn="l" defTabSz="914400" rtl="0" eaLnBrk="1" fontAlgn="auto" latinLnBrk="0" hangingPunct="1">
+              <a:lnSpc>
+                <a:spcPct val="100000"/>
+              </a:lnSpc>
+              <a:spcBef>
+                <a:spcPts val="0"/>
+              </a:spcBef>
+              <a:spcAft>
+                <a:spcPts val="0"/>
+              </a:spcAft>
+              <a:buClrTx/>
+              <a:buSzTx/>
+              <a:buFontTx/>
+              <a:buNone/>
+              <a:tabLst/>
+              <a:defRPr/>
+            </a:pPr>
+            <a:r>
+              <a:rPr lang="en-US" dirty="0" smtClean="0"/>
+              <a:t> First of all, we need to understand what Parent, Child, and Sibling components are. </a:t>
+            </a:r>
+          </a:p>
+          <a:p>
             <a:endParaRPr lang="en-GB" dirty="0"/>
           </a:p>
         </p:txBody>
@@ -547,7 +569,7 @@
           <a:p>
             <a:fld id="{44308C73-6BC7-4BA2-835D-680D330A3961}" type="slidenum">
               <a:rPr lang="en-GB" smtClean="0"/>
-              <a:t>5</a:t>
+              <a:t>2</a:t>
             </a:fld>
             <a:endParaRPr lang="en-GB"/>
           </a:p>
@@ -556,7 +578,7 @@
     </p:spTree>
     <p:extLst>
       <p:ext uri="{BB962C8B-B14F-4D97-AF65-F5344CB8AC3E}">
-        <p14:creationId xmlns:p14="http://schemas.microsoft.com/office/powerpoint/2010/main" val="3192526220"/>
+        <p14:creationId xmlns:p14="http://schemas.microsoft.com/office/powerpoint/2010/main" val="607660527"/>
       </p:ext>
     </p:extLst>
   </p:cSld>
@@ -631,7 +653,7 @@
           <a:p>
             <a:fld id="{44308C73-6BC7-4BA2-835D-680D330A3961}" type="slidenum">
               <a:rPr lang="en-GB" smtClean="0"/>
-              <a:t>14</a:t>
+              <a:t>12</a:t>
             </a:fld>
             <a:endParaRPr lang="en-GB"/>
           </a:p>
@@ -640,7 +662,7 @@
     </p:spTree>
     <p:extLst>
       <p:ext uri="{BB962C8B-B14F-4D97-AF65-F5344CB8AC3E}">
-        <p14:creationId xmlns:p14="http://schemas.microsoft.com/office/powerpoint/2010/main" val="567409035"/>
+        <p14:creationId xmlns:p14="http://schemas.microsoft.com/office/powerpoint/2010/main" val="497997676"/>
       </p:ext>
     </p:extLst>
   </p:cSld>
@@ -715,7 +737,7 @@
           <a:p>
             <a:fld id="{44308C73-6BC7-4BA2-835D-680D330A3961}" type="slidenum">
               <a:rPr lang="en-GB" smtClean="0"/>
-              <a:t>15</a:t>
+              <a:t>13</a:t>
             </a:fld>
             <a:endParaRPr lang="en-GB"/>
           </a:p>
@@ -724,7 +746,7 @@
     </p:spTree>
     <p:extLst>
       <p:ext uri="{BB962C8B-B14F-4D97-AF65-F5344CB8AC3E}">
-        <p14:creationId xmlns:p14="http://schemas.microsoft.com/office/powerpoint/2010/main" val="2495280447"/>
+        <p14:creationId xmlns:p14="http://schemas.microsoft.com/office/powerpoint/2010/main" val="567409035"/>
       </p:ext>
     </p:extLst>
   </p:cSld>
@@ -799,7 +821,7 @@
           <a:p>
             <a:fld id="{44308C73-6BC7-4BA2-835D-680D330A3961}" type="slidenum">
               <a:rPr lang="en-GB" smtClean="0"/>
-              <a:t>16</a:t>
+              <a:t>14</a:t>
             </a:fld>
             <a:endParaRPr lang="en-GB"/>
           </a:p>
@@ -808,7 +830,7 @@
     </p:spTree>
     <p:extLst>
       <p:ext uri="{BB962C8B-B14F-4D97-AF65-F5344CB8AC3E}">
-        <p14:creationId xmlns:p14="http://schemas.microsoft.com/office/powerpoint/2010/main" val="660389178"/>
+        <p14:creationId xmlns:p14="http://schemas.microsoft.com/office/powerpoint/2010/main" val="2495280447"/>
       </p:ext>
     </p:extLst>
   </p:cSld>
@@ -883,7 +905,7 @@
           <a:p>
             <a:fld id="{44308C73-6BC7-4BA2-835D-680D330A3961}" type="slidenum">
               <a:rPr lang="en-GB" smtClean="0"/>
-              <a:t>17</a:t>
+              <a:t>15</a:t>
             </a:fld>
             <a:endParaRPr lang="en-GB"/>
           </a:p>
@@ -892,7 +914,7 @@
     </p:spTree>
     <p:extLst>
       <p:ext uri="{BB962C8B-B14F-4D97-AF65-F5344CB8AC3E}">
-        <p14:creationId xmlns:p14="http://schemas.microsoft.com/office/powerpoint/2010/main" val="451817114"/>
+        <p14:creationId xmlns:p14="http://schemas.microsoft.com/office/powerpoint/2010/main" val="660389178"/>
       </p:ext>
     </p:extLst>
   </p:cSld>
@@ -967,7 +989,91 @@
           <a:p>
             <a:fld id="{44308C73-6BC7-4BA2-835D-680D330A3961}" type="slidenum">
               <a:rPr lang="en-GB" smtClean="0"/>
-              <a:t>18</a:t>
+              <a:t>16</a:t>
+            </a:fld>
+            <a:endParaRPr lang="en-GB"/>
+          </a:p>
+        </p:txBody>
+      </p:sp>
+    </p:spTree>
+    <p:extLst>
+      <p:ext uri="{BB962C8B-B14F-4D97-AF65-F5344CB8AC3E}">
+        <p14:creationId xmlns:p14="http://schemas.microsoft.com/office/powerpoint/2010/main" val="451817114"/>
+      </p:ext>
+    </p:extLst>
+  </p:cSld>
+  <p:clrMapOvr>
+    <a:masterClrMapping/>
+  </p:clrMapOvr>
+</p:notes>
+</file>
+
+<file path=ppt/notesSlides/notesSlide15.xml><?xml version="1.0" encoding="utf-8"?>
+<p:notes xmlns:a="http://schemas.openxmlformats.org/drawingml/2006/main" xmlns:r="http://schemas.openxmlformats.org/officeDocument/2006/relationships" xmlns:p="http://schemas.openxmlformats.org/presentationml/2006/main">
+  <p:cSld>
+    <p:spTree>
+      <p:nvGrpSpPr>
+        <p:cNvPr id="1" name=""/>
+        <p:cNvGrpSpPr/>
+        <p:nvPr/>
+      </p:nvGrpSpPr>
+      <p:grpSpPr>
+        <a:xfrm>
+          <a:off x="0" y="0"/>
+          <a:ext cx="0" cy="0"/>
+          <a:chOff x="0" y="0"/>
+          <a:chExt cx="0" cy="0"/>
+        </a:xfrm>
+      </p:grpSpPr>
+      <p:sp>
+        <p:nvSpPr>
+          <p:cNvPr id="2" name="Slide Image Placeholder 1"/>
+          <p:cNvSpPr>
+            <a:spLocks noGrp="1" noRot="1" noChangeAspect="1"/>
+          </p:cNvSpPr>
+          <p:nvPr>
+            <p:ph type="sldImg"/>
+          </p:nvPr>
+        </p:nvSpPr>
+        <p:spPr/>
+      </p:sp>
+      <p:sp>
+        <p:nvSpPr>
+          <p:cNvPr id="3" name="Notes Placeholder 2"/>
+          <p:cNvSpPr>
+            <a:spLocks noGrp="1"/>
+          </p:cNvSpPr>
+          <p:nvPr>
+            <p:ph type="body" idx="1"/>
+          </p:nvPr>
+        </p:nvSpPr>
+        <p:spPr/>
+        <p:txBody>
+          <a:bodyPr/>
+          <a:lstStyle/>
+          <a:p>
+            <a:endParaRPr lang="en-GB" dirty="0"/>
+          </a:p>
+        </p:txBody>
+      </p:sp>
+      <p:sp>
+        <p:nvSpPr>
+          <p:cNvPr id="4" name="Slide Number Placeholder 3"/>
+          <p:cNvSpPr>
+            <a:spLocks noGrp="1"/>
+          </p:cNvSpPr>
+          <p:nvPr>
+            <p:ph type="sldNum" sz="quarter" idx="10"/>
+          </p:nvPr>
+        </p:nvSpPr>
+        <p:spPr/>
+        <p:txBody>
+          <a:bodyPr/>
+          <a:lstStyle/>
+          <a:p>
+            <a:fld id="{44308C73-6BC7-4BA2-835D-680D330A3961}" type="slidenum">
+              <a:rPr lang="en-GB" smtClean="0"/>
+              <a:t>17</a:t>
             </a:fld>
             <a:endParaRPr lang="en-GB"/>
           </a:p>
@@ -1051,7 +1157,7 @@
           <a:p>
             <a:fld id="{44308C73-6BC7-4BA2-835D-680D330A3961}" type="slidenum">
               <a:rPr lang="en-GB" smtClean="0"/>
-              <a:t>6</a:t>
+              <a:t>4</a:t>
             </a:fld>
             <a:endParaRPr lang="en-GB"/>
           </a:p>
@@ -1060,7 +1166,7 @@
     </p:spTree>
     <p:extLst>
       <p:ext uri="{BB962C8B-B14F-4D97-AF65-F5344CB8AC3E}">
-        <p14:creationId xmlns:p14="http://schemas.microsoft.com/office/powerpoint/2010/main" val="2269856989"/>
+        <p14:creationId xmlns:p14="http://schemas.microsoft.com/office/powerpoint/2010/main" val="3192526220"/>
       </p:ext>
     </p:extLst>
   </p:cSld>
@@ -1135,7 +1241,7 @@
           <a:p>
             <a:fld id="{44308C73-6BC7-4BA2-835D-680D330A3961}" type="slidenum">
               <a:rPr lang="en-GB" smtClean="0"/>
-              <a:t>7</a:t>
+              <a:t>5</a:t>
             </a:fld>
             <a:endParaRPr lang="en-GB"/>
           </a:p>
@@ -1144,7 +1250,7 @@
     </p:spTree>
     <p:extLst>
       <p:ext uri="{BB962C8B-B14F-4D97-AF65-F5344CB8AC3E}">
-        <p14:creationId xmlns:p14="http://schemas.microsoft.com/office/powerpoint/2010/main" val="3782155306"/>
+        <p14:creationId xmlns:p14="http://schemas.microsoft.com/office/powerpoint/2010/main" val="2269856989"/>
       </p:ext>
     </p:extLst>
   </p:cSld>
@@ -1219,7 +1325,7 @@
           <a:p>
             <a:fld id="{44308C73-6BC7-4BA2-835D-680D330A3961}" type="slidenum">
               <a:rPr lang="en-GB" smtClean="0"/>
-              <a:t>8</a:t>
+              <a:t>6</a:t>
             </a:fld>
             <a:endParaRPr lang="en-GB"/>
           </a:p>
@@ -1228,7 +1334,7 @@
     </p:spTree>
     <p:extLst>
       <p:ext uri="{BB962C8B-B14F-4D97-AF65-F5344CB8AC3E}">
-        <p14:creationId xmlns:p14="http://schemas.microsoft.com/office/powerpoint/2010/main" val="1857431820"/>
+        <p14:creationId xmlns:p14="http://schemas.microsoft.com/office/powerpoint/2010/main" val="3782155306"/>
       </p:ext>
     </p:extLst>
   </p:cSld>
@@ -1303,7 +1409,7 @@
           <a:p>
             <a:fld id="{44308C73-6BC7-4BA2-835D-680D330A3961}" type="slidenum">
               <a:rPr lang="en-GB" smtClean="0"/>
-              <a:t>9</a:t>
+              <a:t>7</a:t>
             </a:fld>
             <a:endParaRPr lang="en-GB"/>
           </a:p>
@@ -1312,7 +1418,7 @@
     </p:spTree>
     <p:extLst>
       <p:ext uri="{BB962C8B-B14F-4D97-AF65-F5344CB8AC3E}">
-        <p14:creationId xmlns:p14="http://schemas.microsoft.com/office/powerpoint/2010/main" val="994859050"/>
+        <p14:creationId xmlns:p14="http://schemas.microsoft.com/office/powerpoint/2010/main" val="1857431820"/>
       </p:ext>
     </p:extLst>
   </p:cSld>
@@ -1387,7 +1493,7 @@
           <a:p>
             <a:fld id="{44308C73-6BC7-4BA2-835D-680D330A3961}" type="slidenum">
               <a:rPr lang="en-GB" smtClean="0"/>
-              <a:t>10</a:t>
+              <a:t>8</a:t>
             </a:fld>
             <a:endParaRPr lang="en-GB"/>
           </a:p>
@@ -1396,7 +1502,7 @@
     </p:spTree>
     <p:extLst>
       <p:ext uri="{BB962C8B-B14F-4D97-AF65-F5344CB8AC3E}">
-        <p14:creationId xmlns:p14="http://schemas.microsoft.com/office/powerpoint/2010/main" val="1887761305"/>
+        <p14:creationId xmlns:p14="http://schemas.microsoft.com/office/powerpoint/2010/main" val="994859050"/>
       </p:ext>
     </p:extLst>
   </p:cSld>
@@ -1471,7 +1577,7 @@
           <a:p>
             <a:fld id="{44308C73-6BC7-4BA2-835D-680D330A3961}" type="slidenum">
               <a:rPr lang="en-GB" smtClean="0"/>
-              <a:t>11</a:t>
+              <a:t>9</a:t>
             </a:fld>
             <a:endParaRPr lang="en-GB"/>
           </a:p>
@@ -1480,7 +1586,7 @@
     </p:spTree>
     <p:extLst>
       <p:ext uri="{BB962C8B-B14F-4D97-AF65-F5344CB8AC3E}">
-        <p14:creationId xmlns:p14="http://schemas.microsoft.com/office/powerpoint/2010/main" val="2923855898"/>
+        <p14:creationId xmlns:p14="http://schemas.microsoft.com/office/powerpoint/2010/main" val="1887761305"/>
       </p:ext>
     </p:extLst>
   </p:cSld>
@@ -1555,7 +1661,7 @@
           <a:p>
             <a:fld id="{44308C73-6BC7-4BA2-835D-680D330A3961}" type="slidenum">
               <a:rPr lang="en-GB" smtClean="0"/>
-              <a:t>12</a:t>
+              <a:t>10</a:t>
             </a:fld>
             <a:endParaRPr lang="en-GB"/>
           </a:p>
@@ -1564,7 +1670,7 @@
     </p:spTree>
     <p:extLst>
       <p:ext uri="{BB962C8B-B14F-4D97-AF65-F5344CB8AC3E}">
-        <p14:creationId xmlns:p14="http://schemas.microsoft.com/office/powerpoint/2010/main" val="1178456009"/>
+        <p14:creationId xmlns:p14="http://schemas.microsoft.com/office/powerpoint/2010/main" val="2923855898"/>
       </p:ext>
     </p:extLst>
   </p:cSld>
@@ -1639,7 +1745,7 @@
           <a:p>
             <a:fld id="{44308C73-6BC7-4BA2-835D-680D330A3961}" type="slidenum">
               <a:rPr lang="en-GB" smtClean="0"/>
-              <a:t>13</a:t>
+              <a:t>11</a:t>
             </a:fld>
             <a:endParaRPr lang="en-GB"/>
           </a:p>
@@ -1648,7 +1754,7 @@
     </p:spTree>
     <p:extLst>
       <p:ext uri="{BB962C8B-B14F-4D97-AF65-F5344CB8AC3E}">
-        <p14:creationId xmlns:p14="http://schemas.microsoft.com/office/powerpoint/2010/main" val="497997676"/>
+        <p14:creationId xmlns:p14="http://schemas.microsoft.com/office/powerpoint/2010/main" val="1178456009"/>
       </p:ext>
     </p:extLst>
   </p:cSld>
@@ -1884,7 +1990,7 @@
           <a:p>
             <a:fld id="{B5906FF8-4769-4691-A860-171D2AFB3E65}" type="datetimeFigureOut">
               <a:rPr lang="en-GB" smtClean="0"/>
-              <a:t>30/09/2019</a:t>
+              <a:t>13/10/2019</a:t>
             </a:fld>
             <a:endParaRPr lang="en-GB"/>
           </a:p>
@@ -2092,7 +2198,7 @@
           <a:p>
             <a:fld id="{B5906FF8-4769-4691-A860-171D2AFB3E65}" type="datetimeFigureOut">
               <a:rPr lang="en-GB" smtClean="0"/>
-              <a:t>30/09/2019</a:t>
+              <a:t>13/10/2019</a:t>
             </a:fld>
             <a:endParaRPr lang="en-GB"/>
           </a:p>
@@ -2348,7 +2454,7 @@
           <a:p>
             <a:fld id="{B5906FF8-4769-4691-A860-171D2AFB3E65}" type="datetimeFigureOut">
               <a:rPr lang="en-GB" smtClean="0"/>
-              <a:t>30/09/2019</a:t>
+              <a:t>13/10/2019</a:t>
             </a:fld>
             <a:endParaRPr lang="en-GB"/>
           </a:p>
@@ -2522,7 +2628,7 @@
           <a:p>
             <a:fld id="{B5906FF8-4769-4691-A860-171D2AFB3E65}" type="datetimeFigureOut">
               <a:rPr lang="en-GB" smtClean="0"/>
-              <a:t>30/09/2019</a:t>
+              <a:t>13/10/2019</a:t>
             </a:fld>
             <a:endParaRPr lang="en-GB"/>
           </a:p>
@@ -2865,7 +2971,7 @@
           <a:p>
             <a:fld id="{B5906FF8-4769-4691-A860-171D2AFB3E65}" type="datetimeFigureOut">
               <a:rPr lang="en-GB" smtClean="0"/>
-              <a:t>30/09/2019</a:t>
+              <a:t>13/10/2019</a:t>
             </a:fld>
             <a:endParaRPr lang="en-GB"/>
           </a:p>
@@ -3140,7 +3246,7 @@
           <a:p>
             <a:fld id="{B5906FF8-4769-4691-A860-171D2AFB3E65}" type="datetimeFigureOut">
               <a:rPr lang="en-GB" smtClean="0"/>
-              <a:t>30/09/2019</a:t>
+              <a:t>13/10/2019</a:t>
             </a:fld>
             <a:endParaRPr lang="en-GB"/>
           </a:p>
@@ -3519,7 +3625,7 @@
           <a:p>
             <a:fld id="{B5906FF8-4769-4691-A860-171D2AFB3E65}" type="datetimeFigureOut">
               <a:rPr lang="en-GB" smtClean="0"/>
-              <a:t>30/09/2019</a:t>
+              <a:t>13/10/2019</a:t>
             </a:fld>
             <a:endParaRPr lang="en-GB"/>
           </a:p>
@@ -3637,7 +3743,7 @@
           <a:p>
             <a:fld id="{B5906FF8-4769-4691-A860-171D2AFB3E65}" type="datetimeFigureOut">
               <a:rPr lang="en-GB" smtClean="0"/>
-              <a:t>30/09/2019</a:t>
+              <a:t>13/10/2019</a:t>
             </a:fld>
             <a:endParaRPr lang="en-GB"/>
           </a:p>
@@ -3808,7 +3914,7 @@
           <a:p>
             <a:fld id="{B5906FF8-4769-4691-A860-171D2AFB3E65}" type="datetimeFigureOut">
               <a:rPr lang="en-GB" smtClean="0"/>
-              <a:t>30/09/2019</a:t>
+              <a:t>13/10/2019</a:t>
             </a:fld>
             <a:endParaRPr lang="en-GB"/>
           </a:p>
@@ -4162,7 +4268,7 @@
           <a:p>
             <a:fld id="{B5906FF8-4769-4691-A860-171D2AFB3E65}" type="datetimeFigureOut">
               <a:rPr lang="en-GB" smtClean="0"/>
-              <a:t>30/09/2019</a:t>
+              <a:t>13/10/2019</a:t>
             </a:fld>
             <a:endParaRPr lang="en-GB"/>
           </a:p>
@@ -4544,7 +4650,7 @@
           <a:p>
             <a:fld id="{B5906FF8-4769-4691-A860-171D2AFB3E65}" type="datetimeFigureOut">
               <a:rPr lang="en-GB" smtClean="0"/>
-              <a:t>30/09/2019</a:t>
+              <a:t>13/10/2019</a:t>
             </a:fld>
             <a:endParaRPr lang="en-GB"/>
           </a:p>
@@ -4831,7 +4937,7 @@
           <a:p>
             <a:fld id="{B5906FF8-4769-4691-A860-171D2AFB3E65}" type="datetimeFigureOut">
               <a:rPr lang="en-GB" smtClean="0"/>
-              <a:t>30/09/2019</a:t>
+              <a:t>13/10/2019</a:t>
             </a:fld>
             <a:endParaRPr lang="en-GB"/>
           </a:p>
@@ -5410,15 +5516,7 @@
             <a:pPr algn="ctr"/>
             <a:r>
               <a:rPr lang="en-US" dirty="0" smtClean="0"/>
-              <a:t>Lecture </a:t>
-            </a:r>
-            <a:r>
-              <a:rPr lang="en-US" dirty="0" smtClean="0"/>
-              <a:t>10</a:t>
-            </a:r>
-            <a:r>
-              <a:rPr lang="en-US" dirty="0" smtClean="0"/>
-              <a:t> </a:t>
+              <a:t>Lecture 10 </a:t>
             </a:r>
             <a:endParaRPr lang="en-GB" dirty="0"/>
           </a:p>
@@ -5515,173 +5613,7 @@
             </a:pPr>
             <a:r>
               <a:rPr lang="en-US" dirty="0" smtClean="0"/>
-              <a:t> </a:t>
-            </a:r>
-            <a:r>
-              <a:rPr lang="en-US" dirty="0" smtClean="0"/>
-              <a:t>Now we pass via Input item variable to the component. But the linter is telling us that the component doesnot know what </a:t>
-            </a:r>
-            <a:r>
-              <a:rPr lang="en-US" b="1" dirty="0" smtClean="0"/>
-              <a:t>item</a:t>
-            </a:r>
-            <a:r>
-              <a:rPr lang="en-US" dirty="0" smtClean="0"/>
-              <a:t> is. </a:t>
-            </a:r>
-          </a:p>
-          <a:p>
-            <a:pPr>
-              <a:lnSpc>
-                <a:spcPct val="200000"/>
-              </a:lnSpc>
-              <a:buFont typeface="Wingdings" panose="05000000000000000000" pitchFamily="2" charset="2"/>
-              <a:buChar char="§"/>
-            </a:pPr>
-            <a:endParaRPr lang="en-US" dirty="0"/>
-          </a:p>
-          <a:p>
-            <a:pPr>
-              <a:lnSpc>
-                <a:spcPct val="200000"/>
-              </a:lnSpc>
-              <a:buFont typeface="Wingdings" panose="05000000000000000000" pitchFamily="2" charset="2"/>
-              <a:buChar char="§"/>
-            </a:pPr>
-            <a:endParaRPr lang="en-US" dirty="0" smtClean="0"/>
-          </a:p>
-          <a:p>
-            <a:pPr>
-              <a:lnSpc>
-                <a:spcPct val="200000"/>
-              </a:lnSpc>
-              <a:buFont typeface="Wingdings" panose="05000000000000000000" pitchFamily="2" charset="2"/>
-              <a:buChar char="§"/>
-            </a:pPr>
-            <a:endParaRPr lang="en-US" dirty="0"/>
-          </a:p>
-        </p:txBody>
-      </p:sp>
-      <p:pic>
-        <p:nvPicPr>
-          <p:cNvPr id="6" name="Picture 5"/>
-          <p:cNvPicPr>
-            <a:picLocks noChangeAspect="1"/>
-          </p:cNvPicPr>
-          <p:nvPr/>
-        </p:nvPicPr>
-        <p:blipFill>
-          <a:blip r:embed="rId3"/>
-          <a:stretch>
-            <a:fillRect/>
-          </a:stretch>
-        </p:blipFill>
-        <p:spPr>
-          <a:xfrm>
-            <a:off x="1097280" y="3256697"/>
-            <a:ext cx="8048625" cy="2562225"/>
-          </a:xfrm>
-          <a:prstGeom prst="rect">
-            <a:avLst/>
-          </a:prstGeom>
-        </p:spPr>
-      </p:pic>
-    </p:spTree>
-    <p:extLst>
-      <p:ext uri="{BB962C8B-B14F-4D97-AF65-F5344CB8AC3E}">
-        <p14:creationId xmlns:p14="http://schemas.microsoft.com/office/powerpoint/2010/main" val="288122635"/>
-      </p:ext>
-    </p:extLst>
-  </p:cSld>
-  <p:clrMapOvr>
-    <a:masterClrMapping/>
-  </p:clrMapOvr>
-  <p:timing>
-    <p:tnLst>
-      <p:par>
-        <p:cTn id="1" dur="indefinite" restart="never" nodeType="tmRoot"/>
-      </p:par>
-    </p:tnLst>
-  </p:timing>
-</p:sld>
-</file>
-
-<file path=ppt/slides/slide11.xml><?xml version="1.0" encoding="utf-8"?>
-<p:sld xmlns:a="http://schemas.openxmlformats.org/drawingml/2006/main" xmlns:r="http://schemas.openxmlformats.org/officeDocument/2006/relationships" xmlns:p="http://schemas.openxmlformats.org/presentationml/2006/main">
-  <p:cSld>
-    <p:spTree>
-      <p:nvGrpSpPr>
-        <p:cNvPr id="1" name=""/>
-        <p:cNvGrpSpPr/>
-        <p:nvPr/>
-      </p:nvGrpSpPr>
-      <p:grpSpPr>
-        <a:xfrm>
-          <a:off x="0" y="0"/>
-          <a:ext cx="0" cy="0"/>
-          <a:chOff x="0" y="0"/>
-          <a:chExt cx="0" cy="0"/>
-        </a:xfrm>
-      </p:grpSpPr>
-      <p:sp>
-        <p:nvSpPr>
-          <p:cNvPr id="2" name="Title 1"/>
-          <p:cNvSpPr>
-            <a:spLocks noGrp="1"/>
-          </p:cNvSpPr>
-          <p:nvPr>
-            <p:ph type="title"/>
-          </p:nvPr>
-        </p:nvSpPr>
-        <p:spPr/>
-        <p:txBody>
-          <a:bodyPr/>
-          <a:lstStyle/>
-          <a:p>
-            <a:r>
-              <a:rPr lang="en-US" dirty="0" smtClean="0"/>
-              <a:t>Passing Data Between Components</a:t>
-            </a:r>
-            <a:endParaRPr lang="en-GB" dirty="0"/>
-          </a:p>
-        </p:txBody>
-      </p:sp>
-      <p:sp>
-        <p:nvSpPr>
-          <p:cNvPr id="3" name="Content Placeholder 2"/>
-          <p:cNvSpPr>
-            <a:spLocks noGrp="1"/>
-          </p:cNvSpPr>
-          <p:nvPr>
-            <p:ph idx="1"/>
-          </p:nvPr>
-        </p:nvSpPr>
-        <p:spPr>
-          <a:xfrm>
-            <a:off x="1097280" y="1737360"/>
-            <a:ext cx="10058400" cy="4384040"/>
-          </a:xfrm>
-        </p:spPr>
-        <p:txBody>
-          <a:bodyPr>
-            <a:noAutofit/>
-          </a:bodyPr>
-          <a:lstStyle/>
-          <a:p>
-            <a:pPr>
-              <a:lnSpc>
-                <a:spcPct val="200000"/>
-              </a:lnSpc>
-              <a:buFont typeface="Wingdings" panose="05000000000000000000" pitchFamily="2" charset="2"/>
-              <a:buChar char="§"/>
-            </a:pPr>
-            <a:r>
-              <a:rPr lang="en-US" dirty="0" smtClean="0"/>
-              <a:t> </a:t>
-            </a:r>
-            <a:r>
-              <a:rPr lang="en-US" dirty="0" smtClean="0"/>
-              <a:t>We create @Input() and let it know that its will be passed down from a top/higher component. </a:t>
+              <a:t> We create @Input() and let it know that its will be passed down from a top/higher component. </a:t>
             </a:r>
           </a:p>
           <a:p>
@@ -5760,7 +5692,7 @@
 </p:sld>
 </file>
 
-<file path=ppt/slides/slide12.xml><?xml version="1.0" encoding="utf-8"?>
+<file path=ppt/slides/slide11.xml><?xml version="1.0" encoding="utf-8"?>
 <p:sld xmlns:a="http://schemas.openxmlformats.org/drawingml/2006/main" xmlns:r="http://schemas.openxmlformats.org/officeDocument/2006/relationships" xmlns:p="http://schemas.openxmlformats.org/presentationml/2006/main">
   <p:cSld>
     <p:spTree>
@@ -5987,7 +5919,7 @@
 </p:sld>
 </file>
 
-<file path=ppt/slides/slide13.xml><?xml version="1.0" encoding="utf-8"?>
+<file path=ppt/slides/slide12.xml><?xml version="1.0" encoding="utf-8"?>
 <p:sld xmlns:a="http://schemas.openxmlformats.org/drawingml/2006/main" xmlns:r="http://schemas.openxmlformats.org/officeDocument/2006/relationships" xmlns:p="http://schemas.openxmlformats.org/presentationml/2006/main">
   <p:cSld>
     <p:spTree>
@@ -6160,7 +6092,7 @@
 </p:sld>
 </file>
 
-<file path=ppt/slides/slide14.xml><?xml version="1.0" encoding="utf-8"?>
+<file path=ppt/slides/slide13.xml><?xml version="1.0" encoding="utf-8"?>
 <p:sld xmlns:a="http://schemas.openxmlformats.org/drawingml/2006/main" xmlns:r="http://schemas.openxmlformats.org/officeDocument/2006/relationships" xmlns:p="http://schemas.openxmlformats.org/presentationml/2006/main">
   <p:cSld>
     <p:spTree>
@@ -6474,6 +6406,187 @@
 </p:sld>
 </file>
 
+<file path=ppt/slides/slide14.xml><?xml version="1.0" encoding="utf-8"?>
+<p:sld xmlns:a="http://schemas.openxmlformats.org/drawingml/2006/main" xmlns:r="http://schemas.openxmlformats.org/officeDocument/2006/relationships" xmlns:p="http://schemas.openxmlformats.org/presentationml/2006/main">
+  <p:cSld>
+    <p:spTree>
+      <p:nvGrpSpPr>
+        <p:cNvPr id="1" name=""/>
+        <p:cNvGrpSpPr/>
+        <p:nvPr/>
+      </p:nvGrpSpPr>
+      <p:grpSpPr>
+        <a:xfrm>
+          <a:off x="0" y="0"/>
+          <a:ext cx="0" cy="0"/>
+          <a:chOff x="0" y="0"/>
+          <a:chExt cx="0" cy="0"/>
+        </a:xfrm>
+      </p:grpSpPr>
+      <p:sp>
+        <p:nvSpPr>
+          <p:cNvPr id="2" name="Title 1"/>
+          <p:cNvSpPr>
+            <a:spLocks noGrp="1"/>
+          </p:cNvSpPr>
+          <p:nvPr>
+            <p:ph type="title"/>
+          </p:nvPr>
+        </p:nvSpPr>
+        <p:spPr/>
+        <p:txBody>
+          <a:bodyPr/>
+          <a:lstStyle/>
+          <a:p>
+            <a:r>
+              <a:rPr lang="en-US" dirty="0" smtClean="0"/>
+              <a:t>Passing Data Between Components</a:t>
+            </a:r>
+            <a:endParaRPr lang="en-GB" dirty="0"/>
+          </a:p>
+        </p:txBody>
+      </p:sp>
+      <p:sp>
+        <p:nvSpPr>
+          <p:cNvPr id="3" name="Content Placeholder 2"/>
+          <p:cNvSpPr>
+            <a:spLocks noGrp="1"/>
+          </p:cNvSpPr>
+          <p:nvPr>
+            <p:ph idx="1"/>
+          </p:nvPr>
+        </p:nvSpPr>
+        <p:spPr>
+          <a:xfrm>
+            <a:off x="1097280" y="1737360"/>
+            <a:ext cx="10472420" cy="4384040"/>
+          </a:xfrm>
+        </p:spPr>
+        <p:txBody>
+          <a:bodyPr>
+            <a:noAutofit/>
+          </a:bodyPr>
+          <a:lstStyle/>
+          <a:p>
+            <a:pPr>
+              <a:lnSpc>
+                <a:spcPct val="200000"/>
+              </a:lnSpc>
+              <a:buFont typeface="Wingdings" panose="05000000000000000000" pitchFamily="2" charset="2"/>
+              <a:buChar char="§"/>
+            </a:pPr>
+            <a:r>
+              <a:rPr lang="en-US" dirty="0" smtClean="0"/>
+              <a:t> There are three major ways to pass / share data between components. </a:t>
+            </a:r>
+          </a:p>
+          <a:p>
+            <a:pPr marL="457200" indent="-457200">
+              <a:lnSpc>
+                <a:spcPct val="200000"/>
+              </a:lnSpc>
+              <a:buAutoNum type="arabicPeriod"/>
+            </a:pPr>
+            <a:r>
+              <a:rPr lang="en-US" dirty="0" smtClean="0"/>
+              <a:t>Using Input(), Output() event emitters.</a:t>
+            </a:r>
+          </a:p>
+          <a:p>
+            <a:pPr marL="457200" indent="-457200">
+              <a:lnSpc>
+                <a:spcPct val="200000"/>
+              </a:lnSpc>
+              <a:buAutoNum type="arabicPeriod"/>
+            </a:pPr>
+            <a:r>
+              <a:rPr lang="en-US" dirty="0" smtClean="0"/>
+              <a:t>Using a parents shared state.</a:t>
+            </a:r>
+          </a:p>
+          <a:p>
+            <a:pPr marL="457200" indent="-457200">
+              <a:lnSpc>
+                <a:spcPct val="200000"/>
+              </a:lnSpc>
+              <a:buAutoNum type="arabicPeriod"/>
+            </a:pPr>
+            <a:r>
+              <a:rPr lang="en-US" dirty="0" smtClean="0"/>
+              <a:t>Using an Angular Service. </a:t>
+            </a:r>
+          </a:p>
+          <a:p>
+            <a:pPr marL="0" indent="0">
+              <a:lnSpc>
+                <a:spcPct val="200000"/>
+              </a:lnSpc>
+              <a:buNone/>
+            </a:pPr>
+            <a:endParaRPr lang="en-US" dirty="0" smtClean="0"/>
+          </a:p>
+          <a:p>
+            <a:pPr>
+              <a:lnSpc>
+                <a:spcPct val="200000"/>
+              </a:lnSpc>
+              <a:buFont typeface="Wingdings" panose="05000000000000000000" pitchFamily="2" charset="2"/>
+              <a:buChar char="§"/>
+            </a:pPr>
+            <a:endParaRPr lang="en-US" dirty="0" smtClean="0"/>
+          </a:p>
+          <a:p>
+            <a:pPr>
+              <a:lnSpc>
+                <a:spcPct val="200000"/>
+              </a:lnSpc>
+              <a:buFont typeface="Wingdings" panose="05000000000000000000" pitchFamily="2" charset="2"/>
+              <a:buChar char="§"/>
+            </a:pPr>
+            <a:endParaRPr lang="en-US" dirty="0"/>
+          </a:p>
+          <a:p>
+            <a:pPr>
+              <a:lnSpc>
+                <a:spcPct val="200000"/>
+              </a:lnSpc>
+              <a:buFont typeface="Wingdings" panose="05000000000000000000" pitchFamily="2" charset="2"/>
+              <a:buChar char="§"/>
+            </a:pPr>
+            <a:endParaRPr lang="en-US" dirty="0" smtClean="0"/>
+          </a:p>
+          <a:p>
+            <a:pPr>
+              <a:lnSpc>
+                <a:spcPct val="200000"/>
+              </a:lnSpc>
+              <a:buFont typeface="Wingdings" panose="05000000000000000000" pitchFamily="2" charset="2"/>
+              <a:buChar char="§"/>
+            </a:pPr>
+            <a:endParaRPr lang="en-US" dirty="0"/>
+          </a:p>
+        </p:txBody>
+      </p:sp>
+    </p:spTree>
+    <p:extLst>
+      <p:ext uri="{BB962C8B-B14F-4D97-AF65-F5344CB8AC3E}">
+        <p14:creationId xmlns:p14="http://schemas.microsoft.com/office/powerpoint/2010/main" val="1766836902"/>
+      </p:ext>
+    </p:extLst>
+  </p:cSld>
+  <p:clrMapOvr>
+    <a:masterClrMapping/>
+  </p:clrMapOvr>
+  <p:timing>
+    <p:tnLst>
+      <p:par>
+        <p:cTn id="1" dur="indefinite" restart="never" nodeType="tmRoot"/>
+      </p:par>
+    </p:tnLst>
+  </p:timing>
+</p:sld>
+</file>
+
 <file path=ppt/slides/slide15.xml><?xml version="1.0" encoding="utf-8"?>
 <p:sld xmlns:a="http://schemas.openxmlformats.org/drawingml/2006/main" xmlns:r="http://schemas.openxmlformats.org/officeDocument/2006/relationships" xmlns:p="http://schemas.openxmlformats.org/presentationml/2006/main">
   <p:cSld>
@@ -6536,53 +6649,58 @@
           </a:bodyPr>
           <a:lstStyle/>
           <a:p>
-            <a:pPr>
-              <a:lnSpc>
-                <a:spcPct val="200000"/>
-              </a:lnSpc>
-              <a:buFont typeface="Wingdings" panose="05000000000000000000" pitchFamily="2" charset="2"/>
-              <a:buChar char="§"/>
+            <a:pPr marL="0" indent="0">
+              <a:lnSpc>
+                <a:spcPct val="200000"/>
+              </a:lnSpc>
+              <a:buNone/>
+            </a:pPr>
+            <a:r>
+              <a:rPr lang="en-US" b="1" dirty="0" smtClean="0"/>
+              <a:t>Using Input(), Output() event emitters</a:t>
+            </a:r>
+          </a:p>
+          <a:p>
+            <a:pPr marL="0" indent="0">
+              <a:lnSpc>
+                <a:spcPct val="200000"/>
+              </a:lnSpc>
+              <a:buNone/>
             </a:pPr>
             <a:r>
               <a:rPr lang="en-US" dirty="0" smtClean="0"/>
-              <a:t> There are three major ways to pass / share data between components. </a:t>
-            </a:r>
-          </a:p>
-          <a:p>
-            <a:pPr marL="457200" indent="-457200">
-              <a:lnSpc>
-                <a:spcPct val="200000"/>
-              </a:lnSpc>
-              <a:buAutoNum type="arabicPeriod"/>
+              <a:t>This is ideal for parent, child components. However, once the number of components increase, this becomes hard.</a:t>
+            </a:r>
+          </a:p>
+          <a:p>
+            <a:pPr marL="0" indent="0">
+              <a:lnSpc>
+                <a:spcPct val="200000"/>
+              </a:lnSpc>
+              <a:buNone/>
+            </a:pPr>
+            <a:r>
+              <a:rPr lang="en-US" b="1" dirty="0"/>
+              <a:t>Using a parents shared </a:t>
+            </a:r>
+            <a:r>
+              <a:rPr lang="en-US" b="1" dirty="0" smtClean="0"/>
+              <a:t>state</a:t>
+            </a:r>
+            <a:endParaRPr lang="en-US" b="1" dirty="0"/>
+          </a:p>
+          <a:p>
+            <a:pPr marL="0" indent="0">
+              <a:lnSpc>
+                <a:spcPct val="200000"/>
+              </a:lnSpc>
+              <a:buNone/>
             </a:pPr>
             <a:r>
               <a:rPr lang="en-US" dirty="0" smtClean="0"/>
-              <a:t>Using Input(), Output() event emitters.</a:t>
-            </a:r>
-          </a:p>
-          <a:p>
-            <a:pPr marL="457200" indent="-457200">
-              <a:lnSpc>
-                <a:spcPct val="200000"/>
-              </a:lnSpc>
-              <a:buAutoNum type="arabicPeriod"/>
-            </a:pPr>
-            <a:r>
-              <a:rPr lang="en-US" dirty="0" smtClean="0"/>
-              <a:t>Using a parents shared state.</a:t>
-            </a:r>
-          </a:p>
-          <a:p>
-            <a:pPr marL="457200" indent="-457200">
-              <a:lnSpc>
-                <a:spcPct val="200000"/>
-              </a:lnSpc>
-              <a:buAutoNum type="arabicPeriod"/>
-            </a:pPr>
-            <a:r>
-              <a:rPr lang="en-US" dirty="0" smtClean="0"/>
-              <a:t>Using an Angular Service. </a:t>
-            </a:r>
+              <a:t>We declare the variable in the parent component and keep passing it down via Input. Can get complicated very quickly.</a:t>
+            </a:r>
+            <a:endParaRPr lang="en-US" dirty="0"/>
           </a:p>
           <a:p>
             <a:pPr marL="0" indent="0">
@@ -6590,16 +6708,6 @@
                 <a:spcPct val="200000"/>
               </a:lnSpc>
               <a:buNone/>
-            </a:pPr>
-            <a:endParaRPr lang="en-US" dirty="0" smtClean="0"/>
-          </a:p>
-          <a:p>
-            <a:pPr>
-              <a:lnSpc>
-                <a:spcPct val="200000"/>
-              </a:lnSpc>
-              <a:buFont typeface="Wingdings" panose="05000000000000000000" pitchFamily="2" charset="2"/>
-              <a:buChar char="§"/>
             </a:pPr>
             <a:endParaRPr lang="en-US" dirty="0" smtClean="0"/>
           </a:p>
@@ -6638,7 +6746,7 @@
     </p:spTree>
     <p:extLst>
       <p:ext uri="{BB962C8B-B14F-4D97-AF65-F5344CB8AC3E}">
-        <p14:creationId xmlns:p14="http://schemas.microsoft.com/office/powerpoint/2010/main" val="1766836902"/>
+        <p14:creationId xmlns:p14="http://schemas.microsoft.com/office/powerpoint/2010/main" val="3452943387"/>
       </p:ext>
     </p:extLst>
   </p:cSld>
@@ -6725,182 +6833,6 @@
             </a:pPr>
             <a:r>
               <a:rPr lang="en-US" b="1" dirty="0" smtClean="0"/>
-              <a:t>Using Input(), Output() event emitters</a:t>
-            </a:r>
-          </a:p>
-          <a:p>
-            <a:pPr marL="0" indent="0">
-              <a:lnSpc>
-                <a:spcPct val="200000"/>
-              </a:lnSpc>
-              <a:buNone/>
-            </a:pPr>
-            <a:r>
-              <a:rPr lang="en-US" dirty="0" smtClean="0"/>
-              <a:t>This is ideal for parent, child components. However, once the number of components increase, this becomes hard.</a:t>
-            </a:r>
-          </a:p>
-          <a:p>
-            <a:pPr marL="0" indent="0">
-              <a:lnSpc>
-                <a:spcPct val="200000"/>
-              </a:lnSpc>
-              <a:buNone/>
-            </a:pPr>
-            <a:r>
-              <a:rPr lang="en-US" b="1" dirty="0"/>
-              <a:t>Using a parents shared </a:t>
-            </a:r>
-            <a:r>
-              <a:rPr lang="en-US" b="1" dirty="0" smtClean="0"/>
-              <a:t>state</a:t>
-            </a:r>
-            <a:endParaRPr lang="en-US" b="1" dirty="0"/>
-          </a:p>
-          <a:p>
-            <a:pPr marL="0" indent="0">
-              <a:lnSpc>
-                <a:spcPct val="200000"/>
-              </a:lnSpc>
-              <a:buNone/>
-            </a:pPr>
-            <a:r>
-              <a:rPr lang="en-US" dirty="0" smtClean="0"/>
-              <a:t>We declare the variable in the parent component and keep passing it down via Input. Can get complicated very quickly.</a:t>
-            </a:r>
-            <a:endParaRPr lang="en-US" dirty="0"/>
-          </a:p>
-          <a:p>
-            <a:pPr marL="0" indent="0">
-              <a:lnSpc>
-                <a:spcPct val="200000"/>
-              </a:lnSpc>
-              <a:buNone/>
-            </a:pPr>
-            <a:endParaRPr lang="en-US" dirty="0" smtClean="0"/>
-          </a:p>
-          <a:p>
-            <a:pPr>
-              <a:lnSpc>
-                <a:spcPct val="200000"/>
-              </a:lnSpc>
-              <a:buFont typeface="Wingdings" panose="05000000000000000000" pitchFamily="2" charset="2"/>
-              <a:buChar char="§"/>
-            </a:pPr>
-            <a:endParaRPr lang="en-US" dirty="0"/>
-          </a:p>
-          <a:p>
-            <a:pPr>
-              <a:lnSpc>
-                <a:spcPct val="200000"/>
-              </a:lnSpc>
-              <a:buFont typeface="Wingdings" panose="05000000000000000000" pitchFamily="2" charset="2"/>
-              <a:buChar char="§"/>
-            </a:pPr>
-            <a:endParaRPr lang="en-US" dirty="0" smtClean="0"/>
-          </a:p>
-          <a:p>
-            <a:pPr>
-              <a:lnSpc>
-                <a:spcPct val="200000"/>
-              </a:lnSpc>
-              <a:buFont typeface="Wingdings" panose="05000000000000000000" pitchFamily="2" charset="2"/>
-              <a:buChar char="§"/>
-            </a:pPr>
-            <a:endParaRPr lang="en-US" dirty="0"/>
-          </a:p>
-        </p:txBody>
-      </p:sp>
-    </p:spTree>
-    <p:extLst>
-      <p:ext uri="{BB962C8B-B14F-4D97-AF65-F5344CB8AC3E}">
-        <p14:creationId xmlns:p14="http://schemas.microsoft.com/office/powerpoint/2010/main" val="3452943387"/>
-      </p:ext>
-    </p:extLst>
-  </p:cSld>
-  <p:clrMapOvr>
-    <a:masterClrMapping/>
-  </p:clrMapOvr>
-  <p:timing>
-    <p:tnLst>
-      <p:par>
-        <p:cTn id="1" dur="indefinite" restart="never" nodeType="tmRoot"/>
-      </p:par>
-    </p:tnLst>
-  </p:timing>
-</p:sld>
-</file>
-
-<file path=ppt/slides/slide17.xml><?xml version="1.0" encoding="utf-8"?>
-<p:sld xmlns:a="http://schemas.openxmlformats.org/drawingml/2006/main" xmlns:r="http://schemas.openxmlformats.org/officeDocument/2006/relationships" xmlns:p="http://schemas.openxmlformats.org/presentationml/2006/main">
-  <p:cSld>
-    <p:spTree>
-      <p:nvGrpSpPr>
-        <p:cNvPr id="1" name=""/>
-        <p:cNvGrpSpPr/>
-        <p:nvPr/>
-      </p:nvGrpSpPr>
-      <p:grpSpPr>
-        <a:xfrm>
-          <a:off x="0" y="0"/>
-          <a:ext cx="0" cy="0"/>
-          <a:chOff x="0" y="0"/>
-          <a:chExt cx="0" cy="0"/>
-        </a:xfrm>
-      </p:grpSpPr>
-      <p:sp>
-        <p:nvSpPr>
-          <p:cNvPr id="2" name="Title 1"/>
-          <p:cNvSpPr>
-            <a:spLocks noGrp="1"/>
-          </p:cNvSpPr>
-          <p:nvPr>
-            <p:ph type="title"/>
-          </p:nvPr>
-        </p:nvSpPr>
-        <p:spPr/>
-        <p:txBody>
-          <a:bodyPr/>
-          <a:lstStyle/>
-          <a:p>
-            <a:r>
-              <a:rPr lang="en-US" dirty="0" smtClean="0"/>
-              <a:t>Passing Data Between Components</a:t>
-            </a:r>
-            <a:endParaRPr lang="en-GB" dirty="0"/>
-          </a:p>
-        </p:txBody>
-      </p:sp>
-      <p:sp>
-        <p:nvSpPr>
-          <p:cNvPr id="3" name="Content Placeholder 2"/>
-          <p:cNvSpPr>
-            <a:spLocks noGrp="1"/>
-          </p:cNvSpPr>
-          <p:nvPr>
-            <p:ph idx="1"/>
-          </p:nvPr>
-        </p:nvSpPr>
-        <p:spPr>
-          <a:xfrm>
-            <a:off x="1097280" y="1737360"/>
-            <a:ext cx="10472420" cy="4384040"/>
-          </a:xfrm>
-        </p:spPr>
-        <p:txBody>
-          <a:bodyPr>
-            <a:noAutofit/>
-          </a:bodyPr>
-          <a:lstStyle/>
-          <a:p>
-            <a:pPr marL="0" indent="0">
-              <a:lnSpc>
-                <a:spcPct val="200000"/>
-              </a:lnSpc>
-              <a:buNone/>
-            </a:pPr>
-            <a:r>
-              <a:rPr lang="en-US" b="1" dirty="0" smtClean="0"/>
               <a:t>Using Services</a:t>
             </a:r>
           </a:p>
@@ -7002,7 +6934,7 @@
 </p:sld>
 </file>
 
-<file path=ppt/slides/slide18.xml><?xml version="1.0" encoding="utf-8"?>
+<file path=ppt/slides/slide17.xml><?xml version="1.0" encoding="utf-8"?>
 <p:sld xmlns:a="http://schemas.openxmlformats.org/drawingml/2006/main" xmlns:r="http://schemas.openxmlformats.org/officeDocument/2006/relationships" xmlns:p="http://schemas.openxmlformats.org/presentationml/2006/main">
   <p:cSld>
     <p:spTree>
@@ -7238,6 +7170,18 @@
           </a:bodyPr>
           <a:lstStyle/>
           <a:p>
+            <a:pPr marL="0" indent="0">
+              <a:lnSpc>
+                <a:spcPct val="200000"/>
+              </a:lnSpc>
+              <a:buNone/>
+            </a:pPr>
+            <a:r>
+              <a:rPr lang="en-US" sz="2200" b="1" dirty="0" smtClean="0"/>
+              <a:t>Creating Component inside an Ionic Page</a:t>
+            </a:r>
+          </a:p>
+          <a:p>
             <a:pPr>
               <a:lnSpc>
                 <a:spcPct val="200000"/>
@@ -7247,11 +7191,11 @@
             </a:pPr>
             <a:r>
               <a:rPr lang="en-US" dirty="0" smtClean="0"/>
-              <a:t> </a:t>
+              <a:t>Lets</a:t>
             </a:r>
             <a:r>
               <a:rPr lang="en-US" dirty="0" smtClean="0"/>
-              <a:t>First of all, we need to understand what Parent, Child, and Sibling components are. </a:t>
+              <a:t>, first create a component from our existing code. Here’s studentspage.page.html. </a:t>
             </a:r>
           </a:p>
           <a:p>
@@ -7263,29 +7207,16 @@
               <a:buChar char="§"/>
             </a:pPr>
             <a:r>
-              <a:rPr lang="en-US" dirty="0" smtClean="0"/>
-              <a:t> </a:t>
-            </a:r>
-            <a:r>
-              <a:rPr lang="en-US" dirty="0" smtClean="0"/>
-              <a:t>Lets, first create a component from our existing code. Here’s studentspage.page.html. </a:t>
-            </a:r>
-          </a:p>
-          <a:p>
-            <a:pPr>
-              <a:lnSpc>
-                <a:spcPct val="200000"/>
-              </a:lnSpc>
-              <a:buFont typeface="Wingdings" panose="05000000000000000000" pitchFamily="2" charset="2"/>
-              <a:buChar char="§"/>
-            </a:pPr>
-            <a:r>
               <a:rPr lang="en-US" dirty="0"/>
               <a:t> </a:t>
             </a:r>
             <a:r>
               <a:rPr lang="en-US" dirty="0" smtClean="0"/>
-              <a:t>Since we might use &lt;ion-item&gt; somewhere else, we’ll create a component of it</a:t>
+              <a:t>Since we might use &lt;ion-item&gt; somewhere else, we’ll create a component of </a:t>
+            </a:r>
+            <a:r>
+              <a:rPr lang="en-US" dirty="0" smtClean="0"/>
+              <a:t>it. Reusability.</a:t>
             </a:r>
             <a:endParaRPr lang="en-US" dirty="0" smtClean="0"/>
           </a:p>
@@ -7330,7 +7261,7 @@
           <p:nvPr/>
         </p:nvPicPr>
         <p:blipFill>
-          <a:blip r:embed="rId2"/>
+          <a:blip r:embed="rId3"/>
           <a:stretch>
             <a:fillRect/>
           </a:stretch>
@@ -7397,11 +7328,15 @@
           <a:bodyPr/>
           <a:lstStyle/>
           <a:p>
-            <a:r>
-              <a:rPr lang="en-US" dirty="0" smtClean="0"/>
-              <a:t>Passing Data Between Components</a:t>
-            </a:r>
-            <a:endParaRPr lang="en-GB" dirty="0"/>
+            <a:pPr>
+              <a:lnSpc>
+                <a:spcPct val="200000"/>
+              </a:lnSpc>
+            </a:pPr>
+            <a:r>
+              <a:rPr lang="en-US" dirty="0"/>
+              <a:t>Creating Component inside an Ionic Page</a:t>
+            </a:r>
           </a:p>
         </p:txBody>
       </p:sp>
@@ -7436,175 +7371,7 @@
             </a:pPr>
             <a:r>
               <a:rPr lang="en-US" dirty="0" smtClean="0"/>
-              <a:t> </a:t>
-            </a:r>
-            <a:r>
-              <a:rPr lang="en-US" dirty="0" smtClean="0"/>
-              <a:t>Lets generate a component. I typed the name as studentslist/studentslistitem because I don’t want it in App but in studentslist folder.</a:t>
-            </a:r>
-          </a:p>
-          <a:p>
-            <a:pPr>
-              <a:lnSpc>
-                <a:spcPct val="200000"/>
-              </a:lnSpc>
-              <a:buFont typeface="Wingdings" panose="05000000000000000000" pitchFamily="2" charset="2"/>
-              <a:buChar char="§"/>
-            </a:pPr>
-            <a:endParaRPr lang="en-US" dirty="0"/>
-          </a:p>
-          <a:p>
-            <a:pPr>
-              <a:lnSpc>
-                <a:spcPct val="200000"/>
-              </a:lnSpc>
-              <a:buFont typeface="Wingdings" panose="05000000000000000000" pitchFamily="2" charset="2"/>
-              <a:buChar char="§"/>
-            </a:pPr>
-            <a:endParaRPr lang="en-US" dirty="0" smtClean="0"/>
-          </a:p>
-          <a:p>
-            <a:pPr>
-              <a:lnSpc>
-                <a:spcPct val="200000"/>
-              </a:lnSpc>
-              <a:buFont typeface="Wingdings" panose="05000000000000000000" pitchFamily="2" charset="2"/>
-              <a:buChar char="§"/>
-            </a:pPr>
-            <a:endParaRPr lang="en-US" dirty="0" smtClean="0"/>
-          </a:p>
-          <a:p>
-            <a:pPr>
-              <a:lnSpc>
-                <a:spcPct val="200000"/>
-              </a:lnSpc>
-              <a:buFont typeface="Wingdings" panose="05000000000000000000" pitchFamily="2" charset="2"/>
-              <a:buChar char="§"/>
-            </a:pPr>
-            <a:endParaRPr lang="en-US" dirty="0"/>
-          </a:p>
-        </p:txBody>
-      </p:sp>
-      <p:pic>
-        <p:nvPicPr>
-          <p:cNvPr id="6" name="Picture 5"/>
-          <p:cNvPicPr>
-            <a:picLocks noChangeAspect="1"/>
-          </p:cNvPicPr>
-          <p:nvPr/>
-        </p:nvPicPr>
-        <p:blipFill>
-          <a:blip r:embed="rId2"/>
-          <a:stretch>
-            <a:fillRect/>
-          </a:stretch>
-        </p:blipFill>
-        <p:spPr>
-          <a:xfrm>
-            <a:off x="1223962" y="3084512"/>
-            <a:ext cx="8448675" cy="2820988"/>
-          </a:xfrm>
-          <a:prstGeom prst="rect">
-            <a:avLst/>
-          </a:prstGeom>
-        </p:spPr>
-      </p:pic>
-    </p:spTree>
-    <p:extLst>
-      <p:ext uri="{BB962C8B-B14F-4D97-AF65-F5344CB8AC3E}">
-        <p14:creationId xmlns:p14="http://schemas.microsoft.com/office/powerpoint/2010/main" val="3276885882"/>
-      </p:ext>
-    </p:extLst>
-  </p:cSld>
-  <p:clrMapOvr>
-    <a:masterClrMapping/>
-  </p:clrMapOvr>
-  <p:timing>
-    <p:tnLst>
-      <p:par>
-        <p:cTn id="1" dur="indefinite" restart="never" nodeType="tmRoot"/>
-      </p:par>
-    </p:tnLst>
-  </p:timing>
-</p:sld>
-</file>
-
-<file path=ppt/slides/slide4.xml><?xml version="1.0" encoding="utf-8"?>
-<p:sld xmlns:a="http://schemas.openxmlformats.org/drawingml/2006/main" xmlns:r="http://schemas.openxmlformats.org/officeDocument/2006/relationships" xmlns:p="http://schemas.openxmlformats.org/presentationml/2006/main">
-  <p:cSld>
-    <p:spTree>
-      <p:nvGrpSpPr>
-        <p:cNvPr id="1" name=""/>
-        <p:cNvGrpSpPr/>
-        <p:nvPr/>
-      </p:nvGrpSpPr>
-      <p:grpSpPr>
-        <a:xfrm>
-          <a:off x="0" y="0"/>
-          <a:ext cx="0" cy="0"/>
-          <a:chOff x="0" y="0"/>
-          <a:chExt cx="0" cy="0"/>
-        </a:xfrm>
-      </p:grpSpPr>
-      <p:sp>
-        <p:nvSpPr>
-          <p:cNvPr id="2" name="Title 1"/>
-          <p:cNvSpPr>
-            <a:spLocks noGrp="1"/>
-          </p:cNvSpPr>
-          <p:nvPr>
-            <p:ph type="title"/>
-          </p:nvPr>
-        </p:nvSpPr>
-        <p:spPr/>
-        <p:txBody>
-          <a:bodyPr/>
-          <a:lstStyle/>
-          <a:p>
-            <a:r>
-              <a:rPr lang="en-US" dirty="0" smtClean="0"/>
-              <a:t>Passing Data Between Components</a:t>
-            </a:r>
-            <a:endParaRPr lang="en-GB" dirty="0"/>
-          </a:p>
-        </p:txBody>
-      </p:sp>
-      <p:sp>
-        <p:nvSpPr>
-          <p:cNvPr id="3" name="Content Placeholder 2"/>
-          <p:cNvSpPr>
-            <a:spLocks noGrp="1"/>
-          </p:cNvSpPr>
-          <p:nvPr>
-            <p:ph idx="1"/>
-          </p:nvPr>
-        </p:nvSpPr>
-        <p:spPr>
-          <a:xfrm>
-            <a:off x="1097280" y="1737360"/>
-            <a:ext cx="10058400" cy="4023360"/>
-          </a:xfrm>
-        </p:spPr>
-        <p:txBody>
-          <a:bodyPr>
-            <a:noAutofit/>
-          </a:bodyPr>
-          <a:lstStyle/>
-          <a:p>
-            <a:pPr>
-              <a:lnSpc>
-                <a:spcPct val="200000"/>
-              </a:lnSpc>
-              <a:buFont typeface="Wingdings" panose="05000000000000000000" pitchFamily="2" charset="2"/>
-              <a:buChar char="§"/>
-            </a:pPr>
-            <a:r>
-              <a:rPr lang="en-US" dirty="0" smtClean="0"/>
-              <a:t> </a:t>
-            </a:r>
-            <a:r>
-              <a:rPr lang="en-US" dirty="0" smtClean="0"/>
-              <a:t>Lets generate a component. I typed the name as studentslist/studentslistitem because I don’t want it in App folder but in studentslist folder.</a:t>
+              <a:t> Lets generate a component. I typed the name as studentslist/studentslistitem because I don’t want it in App folder but in studentslist folder.</a:t>
             </a:r>
           </a:p>
           <a:p>
@@ -7693,7 +7460,7 @@
 </p:sld>
 </file>
 
-<file path=ppt/slides/slide5.xml><?xml version="1.0" encoding="utf-8"?>
+<file path=ppt/slides/slide4.xml><?xml version="1.0" encoding="utf-8"?>
 <p:sld xmlns:a="http://schemas.openxmlformats.org/drawingml/2006/main" xmlns:r="http://schemas.openxmlformats.org/officeDocument/2006/relationships" xmlns:p="http://schemas.openxmlformats.org/presentationml/2006/main">
   <p:cSld>
     <p:spTree>
@@ -7725,11 +7492,15 @@
           <a:bodyPr/>
           <a:lstStyle/>
           <a:p>
-            <a:r>
-              <a:rPr lang="en-US" dirty="0" smtClean="0"/>
-              <a:t>Passing Data Between Components</a:t>
-            </a:r>
-            <a:endParaRPr lang="en-GB" dirty="0"/>
+            <a:pPr>
+              <a:lnSpc>
+                <a:spcPct val="200000"/>
+              </a:lnSpc>
+            </a:pPr>
+            <a:r>
+              <a:rPr lang="en-US" dirty="0"/>
+              <a:t>Creating Component inside an Ionic Page</a:t>
+            </a:r>
           </a:p>
         </p:txBody>
       </p:sp>
@@ -7764,11 +7535,7 @@
             </a:pPr>
             <a:r>
               <a:rPr lang="en-US" dirty="0" smtClean="0"/>
-              <a:t> </a:t>
-            </a:r>
-            <a:r>
-              <a:rPr lang="en-US" dirty="0" smtClean="0"/>
-              <a:t>We move the relevant code to the new component files.</a:t>
+              <a:t> We move the relevant code to the new component files.</a:t>
             </a:r>
           </a:p>
           <a:p>
@@ -7881,7 +7648,7 @@
 </p:sld>
 </file>
 
-<file path=ppt/slides/slide6.xml><?xml version="1.0" encoding="utf-8"?>
+<file path=ppt/slides/slide5.xml><?xml version="1.0" encoding="utf-8"?>
 <p:sld xmlns:a="http://schemas.openxmlformats.org/drawingml/2006/main" xmlns:r="http://schemas.openxmlformats.org/officeDocument/2006/relationships" xmlns:p="http://schemas.openxmlformats.org/presentationml/2006/main">
   <p:cSld>
     <p:spTree>
@@ -7914,8 +7681,8 @@
           <a:lstStyle/>
           <a:p>
             <a:r>
-              <a:rPr lang="en-US" dirty="0" smtClean="0"/>
-              <a:t>Passing Data Between Components</a:t>
+              <a:rPr lang="en-US" dirty="0"/>
+              <a:t>Creating Component inside an Ionic Page</a:t>
             </a:r>
             <a:endParaRPr lang="en-GB" dirty="0"/>
           </a:p>
@@ -7952,11 +7719,7 @@
             </a:pPr>
             <a:r>
               <a:rPr lang="en-US" dirty="0" smtClean="0"/>
-              <a:t> </a:t>
-            </a:r>
-            <a:r>
-              <a:rPr lang="en-US" dirty="0" smtClean="0"/>
-              <a:t>Here’s how the code would look like. But we have a few problems. We created a component but did not add to any module. Remember, every component belongs to some module.</a:t>
+              <a:t> Here’s how the code would look like. But we have a few problems. We created a component but did not add to any module. Remember, every component belongs to some module.</a:t>
             </a:r>
           </a:p>
           <a:p>
@@ -8055,7 +7818,7 @@
 </p:sld>
 </file>
 
-<file path=ppt/slides/slide7.xml><?xml version="1.0" encoding="utf-8"?>
+<file path=ppt/slides/slide6.xml><?xml version="1.0" encoding="utf-8"?>
 <p:sld xmlns:a="http://schemas.openxmlformats.org/drawingml/2006/main" xmlns:r="http://schemas.openxmlformats.org/officeDocument/2006/relationships" xmlns:p="http://schemas.openxmlformats.org/presentationml/2006/main">
   <p:cSld>
     <p:spTree>
@@ -8088,8 +7851,8 @@
           <a:lstStyle/>
           <a:p>
             <a:r>
-              <a:rPr lang="en-US" dirty="0" smtClean="0"/>
-              <a:t>Passing Data Between Components</a:t>
+              <a:rPr lang="en-US" dirty="0"/>
+              <a:t>Creating Component inside an Ionic Page</a:t>
             </a:r>
             <a:endParaRPr lang="en-GB" dirty="0"/>
           </a:p>
@@ -8126,11 +7889,7 @@
             </a:pPr>
             <a:r>
               <a:rPr lang="en-US" dirty="0" smtClean="0"/>
-              <a:t> </a:t>
-            </a:r>
-            <a:r>
-              <a:rPr lang="en-US" dirty="0" smtClean="0"/>
-              <a:t>So we will import it in the module file of studentslist. VSCode is also telling us about the problem</a:t>
+              <a:t> So we will import it in the module file of studentslist. VSCode is also telling us about the problem</a:t>
             </a:r>
           </a:p>
           <a:p>
@@ -8232,7 +7991,7 @@
 </p:sld>
 </file>
 
-<file path=ppt/slides/slide8.xml><?xml version="1.0" encoding="utf-8"?>
+<file path=ppt/slides/slide7.xml><?xml version="1.0" encoding="utf-8"?>
 <p:sld xmlns:a="http://schemas.openxmlformats.org/drawingml/2006/main" xmlns:r="http://schemas.openxmlformats.org/officeDocument/2006/relationships" xmlns:p="http://schemas.openxmlformats.org/presentationml/2006/main">
   <p:cSld>
     <p:spTree>
@@ -8265,8 +8024,8 @@
           <a:lstStyle/>
           <a:p>
             <a:r>
-              <a:rPr lang="en-US" dirty="0" smtClean="0"/>
-              <a:t>Passing Data Between Components</a:t>
+              <a:rPr lang="en-US" dirty="0"/>
+              <a:t>Creating Component inside an Ionic Page</a:t>
             </a:r>
             <a:endParaRPr lang="en-GB" dirty="0"/>
           </a:p>
@@ -8303,11 +8062,7 @@
             </a:pPr>
             <a:r>
               <a:rPr lang="en-US" dirty="0" smtClean="0"/>
-              <a:t> </a:t>
-            </a:r>
-            <a:r>
-              <a:rPr lang="en-US" dirty="0" smtClean="0"/>
-              <a:t>Just copy the class name and past it inside declarations, you will see a yellow icon, click on it and it will auto-import the file.</a:t>
+              <a:t> Just copy the class name and past it inside declarations, you will see a yellow icon, click on it and it will auto-import the file.</a:t>
             </a:r>
           </a:p>
           <a:p>
@@ -8396,7 +8151,7 @@
 </p:sld>
 </file>
 
-<file path=ppt/slides/slide9.xml><?xml version="1.0" encoding="utf-8"?>
+<file path=ppt/slides/slide8.xml><?xml version="1.0" encoding="utf-8"?>
 <p:sld xmlns:a="http://schemas.openxmlformats.org/drawingml/2006/main" xmlns:r="http://schemas.openxmlformats.org/officeDocument/2006/relationships" xmlns:p="http://schemas.openxmlformats.org/presentationml/2006/main">
   <p:cSld>
     <p:spTree>
@@ -8429,8 +8184,8 @@
           <a:lstStyle/>
           <a:p>
             <a:r>
-              <a:rPr lang="en-US" dirty="0" smtClean="0"/>
-              <a:t>Passing Data Between Components</a:t>
+              <a:rPr lang="en-US" dirty="0"/>
+              <a:t>Creating Component inside an Ionic Page</a:t>
             </a:r>
             <a:endParaRPr lang="en-GB" dirty="0"/>
           </a:p>
@@ -8467,11 +8222,7 @@
             </a:pPr>
             <a:r>
               <a:rPr lang="en-US" dirty="0" smtClean="0"/>
-              <a:t> </a:t>
-            </a:r>
-            <a:r>
-              <a:rPr lang="en-US" dirty="0" smtClean="0"/>
-              <a:t>Now our app is working but its not displaying anything.</a:t>
+              <a:t> Now our app is working but its not displaying anything.</a:t>
             </a:r>
           </a:p>
           <a:p>
@@ -8538,11 +8289,7 @@
             </a:r>
             <a:r>
               <a:rPr lang="en-US" dirty="0" smtClean="0"/>
-              <a:t> property binding, to pass item to the </a:t>
-            </a:r>
-            <a:r>
-              <a:rPr lang="en-US" dirty="0" smtClean="0"/>
-              <a:t>component.</a:t>
+              <a:t> property binding, to pass item to the component.</a:t>
             </a:r>
           </a:p>
           <a:p>
@@ -8615,6 +8362,164 @@
     <p:extLst>
       <p:ext uri="{BB962C8B-B14F-4D97-AF65-F5344CB8AC3E}">
         <p14:creationId xmlns:p14="http://schemas.microsoft.com/office/powerpoint/2010/main" val="163304656"/>
+      </p:ext>
+    </p:extLst>
+  </p:cSld>
+  <p:clrMapOvr>
+    <a:masterClrMapping/>
+  </p:clrMapOvr>
+  <p:timing>
+    <p:tnLst>
+      <p:par>
+        <p:cTn id="1" dur="indefinite" restart="never" nodeType="tmRoot"/>
+      </p:par>
+    </p:tnLst>
+  </p:timing>
+</p:sld>
+</file>
+
+<file path=ppt/slides/slide9.xml><?xml version="1.0" encoding="utf-8"?>
+<p:sld xmlns:a="http://schemas.openxmlformats.org/drawingml/2006/main" xmlns:r="http://schemas.openxmlformats.org/officeDocument/2006/relationships" xmlns:p="http://schemas.openxmlformats.org/presentationml/2006/main">
+  <p:cSld>
+    <p:spTree>
+      <p:nvGrpSpPr>
+        <p:cNvPr id="1" name=""/>
+        <p:cNvGrpSpPr/>
+        <p:nvPr/>
+      </p:nvGrpSpPr>
+      <p:grpSpPr>
+        <a:xfrm>
+          <a:off x="0" y="0"/>
+          <a:ext cx="0" cy="0"/>
+          <a:chOff x="0" y="0"/>
+          <a:chExt cx="0" cy="0"/>
+        </a:xfrm>
+      </p:grpSpPr>
+      <p:sp>
+        <p:nvSpPr>
+          <p:cNvPr id="2" name="Title 1"/>
+          <p:cNvSpPr>
+            <a:spLocks noGrp="1"/>
+          </p:cNvSpPr>
+          <p:nvPr>
+            <p:ph type="title"/>
+          </p:nvPr>
+        </p:nvSpPr>
+        <p:spPr/>
+        <p:txBody>
+          <a:bodyPr/>
+          <a:lstStyle/>
+          <a:p>
+            <a:r>
+              <a:rPr lang="en-US" dirty="0" smtClean="0"/>
+              <a:t>Passing Data Between Components</a:t>
+            </a:r>
+            <a:endParaRPr lang="en-GB" dirty="0"/>
+          </a:p>
+        </p:txBody>
+      </p:sp>
+      <p:sp>
+        <p:nvSpPr>
+          <p:cNvPr id="3" name="Content Placeholder 2"/>
+          <p:cNvSpPr>
+            <a:spLocks noGrp="1"/>
+          </p:cNvSpPr>
+          <p:nvPr>
+            <p:ph idx="1"/>
+          </p:nvPr>
+        </p:nvSpPr>
+        <p:spPr>
+          <a:xfrm>
+            <a:off x="1097280" y="1737360"/>
+            <a:ext cx="10058400" cy="4384040"/>
+          </a:xfrm>
+        </p:spPr>
+        <p:txBody>
+          <a:bodyPr>
+            <a:noAutofit/>
+          </a:bodyPr>
+          <a:lstStyle/>
+          <a:p>
+            <a:pPr>
+              <a:lnSpc>
+                <a:spcPct val="200000"/>
+              </a:lnSpc>
+              <a:buFont typeface="Wingdings" panose="05000000000000000000" pitchFamily="2" charset="2"/>
+              <a:buChar char="§"/>
+            </a:pPr>
+            <a:r>
+              <a:rPr lang="en-US" dirty="0" smtClean="0"/>
+              <a:t> Now we pass via Input item variable to the component. But the linter is telling us that the component doesnot know what </a:t>
+            </a:r>
+            <a:r>
+              <a:rPr lang="en-US" b="1" dirty="0" smtClean="0"/>
+              <a:t>item</a:t>
+            </a:r>
+            <a:r>
+              <a:rPr lang="en-US" dirty="0" smtClean="0"/>
+              <a:t> is. </a:t>
+            </a:r>
+          </a:p>
+          <a:p>
+            <a:pPr>
+              <a:lnSpc>
+                <a:spcPct val="200000"/>
+              </a:lnSpc>
+              <a:buFont typeface="Wingdings" panose="05000000000000000000" pitchFamily="2" charset="2"/>
+              <a:buChar char="§"/>
+            </a:pPr>
+            <a:endParaRPr lang="en-US" dirty="0"/>
+          </a:p>
+          <a:p>
+            <a:pPr>
+              <a:lnSpc>
+                <a:spcPct val="200000"/>
+              </a:lnSpc>
+              <a:buFont typeface="Wingdings" panose="05000000000000000000" pitchFamily="2" charset="2"/>
+              <a:buChar char="§"/>
+            </a:pPr>
+            <a:endParaRPr lang="en-US" dirty="0" smtClean="0"/>
+          </a:p>
+          <a:p>
+            <a:pPr>
+              <a:lnSpc>
+                <a:spcPct val="200000"/>
+              </a:lnSpc>
+              <a:buFont typeface="Wingdings" panose="05000000000000000000" pitchFamily="2" charset="2"/>
+              <a:buChar char="§"/>
+            </a:pPr>
+            <a:endParaRPr lang="en-US" dirty="0"/>
+          </a:p>
+        </p:txBody>
+      </p:sp>
+      <p:pic>
+        <p:nvPicPr>
+          <p:cNvPr id="6" name="Picture 5"/>
+          <p:cNvPicPr>
+            <a:picLocks noChangeAspect="1"/>
+          </p:cNvPicPr>
+          <p:nvPr/>
+        </p:nvPicPr>
+        <p:blipFill>
+          <a:blip r:embed="rId3"/>
+          <a:stretch>
+            <a:fillRect/>
+          </a:stretch>
+        </p:blipFill>
+        <p:spPr>
+          <a:xfrm>
+            <a:off x="1097280" y="3256697"/>
+            <a:ext cx="8048625" cy="2562225"/>
+          </a:xfrm>
+          <a:prstGeom prst="rect">
+            <a:avLst/>
+          </a:prstGeom>
+        </p:spPr>
+      </p:pic>
+    </p:spTree>
+    <p:extLst>
+      <p:ext uri="{BB962C8B-B14F-4D97-AF65-F5344CB8AC3E}">
+        <p14:creationId xmlns:p14="http://schemas.microsoft.com/office/powerpoint/2010/main" val="288122635"/>
       </p:ext>
     </p:extLst>
   </p:cSld>
